--- a/7 SpringJdbcTemplate_ConnectionPool.pptx
+++ b/7 SpringJdbcTemplate_ConnectionPool.pptx
@@ -14,9 +14,11 @@
     <p:sldId id="262" r:id="rId8"/>
     <p:sldId id="263" r:id="rId9"/>
     <p:sldId id="264" r:id="rId10"/>
-    <p:sldId id="265" r:id="rId11"/>
-    <p:sldId id="266" r:id="rId12"/>
-    <p:sldId id="267" r:id="rId13"/>
+    <p:sldId id="269" r:id="rId11"/>
+    <p:sldId id="265" r:id="rId12"/>
+    <p:sldId id="266" r:id="rId13"/>
+    <p:sldId id="267" r:id="rId14"/>
+    <p:sldId id="268" r:id="rId15"/>
   </p:sldIdLst>
   <p:sldSz cx="12192000" cy="6858000"/>
   <p:notesSz cx="6858000" cy="9144000"/>
@@ -115,13 +117,18 @@
       </a:defRPr>
     </a:lvl9pPr>
   </p:defaultTextStyle>
+  <p:extLst>
+    <p:ext uri="{EFAFB233-063F-42B5-8137-9DF3F51BA10A}">
+      <p15:sldGuideLst xmlns:p15="http://schemas.microsoft.com/office/powerpoint/2012/main"/>
+    </p:ext>
+  </p:extLst>
 </p:presentation>
 </file>
 
 <file path=ppt/revisionInfo.xml><?xml version="1.0" encoding="utf-8"?>
 <p1510:revInfo xmlns:a="http://schemas.openxmlformats.org/drawingml/2006/main" xmlns:r="http://schemas.openxmlformats.org/officeDocument/2006/relationships" xmlns:p1510="http://schemas.microsoft.com/office/powerpoint/2015/10/main">
   <p1510:revLst>
-    <p1510:client id="{C0B6B8F4-B23C-43F4-A6B5-E24AEDAAC92A}" v="33" dt="2025-11-08T09:57:39.617"/>
+    <p1510:client id="{178DB99F-21F3-4386-916A-43B5EF3E7AE4}" v="4" dt="2025-11-11T09:53:18.280"/>
   </p1510:revLst>
 </p1510:revInfo>
 </file>
@@ -131,7 +138,7 @@
   <pc:docChgLst>
     <pc:chgData name="Gaurav Kothari" userId="ae0e5468ea62c2a0" providerId="LiveId" clId="{95702E18-22E4-4321-A6FD-987AA5C74287}"/>
     <pc:docChg chg="undo custSel addSld modSld">
-      <pc:chgData name="Gaurav Kothari" userId="ae0e5468ea62c2a0" providerId="LiveId" clId="{95702E18-22E4-4321-A6FD-987AA5C74287}" dt="2025-11-08T09:57:39.617" v="584"/>
+      <pc:chgData name="Gaurav Kothari" userId="ae0e5468ea62c2a0" providerId="LiveId" clId="{95702E18-22E4-4321-A6FD-987AA5C74287}" dt="2025-11-11T09:53:24.098" v="625" actId="20577"/>
       <pc:docMkLst>
         <pc:docMk/>
       </pc:docMkLst>
@@ -164,22 +171,6 @@
           <pc:docMk/>
           <pc:sldMk cId="1959336319" sldId="257"/>
         </pc:sldMkLst>
-        <pc:spChg chg="del">
-          <ac:chgData name="Gaurav Kothari" userId="ae0e5468ea62c2a0" providerId="LiveId" clId="{95702E18-22E4-4321-A6FD-987AA5C74287}" dt="2025-11-08T09:20:11.495" v="36" actId="478"/>
-          <ac:spMkLst>
-            <pc:docMk/>
-            <pc:sldMk cId="1959336319" sldId="257"/>
-            <ac:spMk id="2" creationId="{C1F86955-FB80-65DC-93A8-A80736F8EA56}"/>
-          </ac:spMkLst>
-        </pc:spChg>
-        <pc:spChg chg="del">
-          <ac:chgData name="Gaurav Kothari" userId="ae0e5468ea62c2a0" providerId="LiveId" clId="{95702E18-22E4-4321-A6FD-987AA5C74287}" dt="2025-11-08T09:20:12.873" v="37"/>
-          <ac:spMkLst>
-            <pc:docMk/>
-            <pc:sldMk cId="1959336319" sldId="257"/>
-            <ac:spMk id="3" creationId="{C1E2A765-C470-10D1-C82F-710D28080AF9}"/>
-          </ac:spMkLst>
-        </pc:spChg>
         <pc:spChg chg="add mod">
           <ac:chgData name="Gaurav Kothari" userId="ae0e5468ea62c2a0" providerId="LiveId" clId="{95702E18-22E4-4321-A6FD-987AA5C74287}" dt="2025-11-08T09:22:24.290" v="48" actId="21"/>
           <ac:spMkLst>
@@ -195,14 +186,6 @@
           <pc:docMk/>
           <pc:sldMk cId="619585483" sldId="258"/>
         </pc:sldMkLst>
-        <pc:spChg chg="del">
-          <ac:chgData name="Gaurav Kothari" userId="ae0e5468ea62c2a0" providerId="LiveId" clId="{95702E18-22E4-4321-A6FD-987AA5C74287}" dt="2025-11-08T09:22:36.603" v="50" actId="478"/>
-          <ac:spMkLst>
-            <pc:docMk/>
-            <pc:sldMk cId="619585483" sldId="258"/>
-            <ac:spMk id="2" creationId="{82ADBDB5-CCD9-600E-B0AC-4F4CAB336C71}"/>
-          </ac:spMkLst>
-        </pc:spChg>
         <pc:spChg chg="mod">
           <ac:chgData name="Gaurav Kothari" userId="ae0e5468ea62c2a0" providerId="LiveId" clId="{95702E18-22E4-4321-A6FD-987AA5C74287}" dt="2025-11-08T09:24:16.354" v="87" actId="11"/>
           <ac:spMkLst>
@@ -241,14 +224,6 @@
           <pc:docMk/>
           <pc:sldMk cId="2984572494" sldId="260"/>
         </pc:sldMkLst>
-        <pc:spChg chg="del">
-          <ac:chgData name="Gaurav Kothari" userId="ae0e5468ea62c2a0" providerId="LiveId" clId="{95702E18-22E4-4321-A6FD-987AA5C74287}" dt="2025-11-08T09:29:21.656" v="223" actId="478"/>
-          <ac:spMkLst>
-            <pc:docMk/>
-            <pc:sldMk cId="2984572494" sldId="260"/>
-            <ac:spMk id="2" creationId="{B810DFD8-09B9-83BF-8F5F-2FEA9A29F991}"/>
-          </ac:spMkLst>
-        </pc:spChg>
         <pc:spChg chg="mod">
           <ac:chgData name="Gaurav Kothari" userId="ae0e5468ea62c2a0" providerId="LiveId" clId="{95702E18-22E4-4321-A6FD-987AA5C74287}" dt="2025-11-08T09:31:08.542" v="255" actId="27636"/>
           <ac:spMkLst>
@@ -264,28 +239,12 @@
           <pc:docMk/>
           <pc:sldMk cId="3982816907" sldId="261"/>
         </pc:sldMkLst>
-        <pc:spChg chg="del">
-          <ac:chgData name="Gaurav Kothari" userId="ae0e5468ea62c2a0" providerId="LiveId" clId="{95702E18-22E4-4321-A6FD-987AA5C74287}" dt="2025-11-08T09:32:40.066" v="259" actId="478"/>
-          <ac:spMkLst>
-            <pc:docMk/>
-            <pc:sldMk cId="3982816907" sldId="261"/>
-            <ac:spMk id="2" creationId="{65B376BE-28B6-25C1-8DC5-38FEC0679CCC}"/>
-          </ac:spMkLst>
-        </pc:spChg>
         <pc:spChg chg="mod">
           <ac:chgData name="Gaurav Kothari" userId="ae0e5468ea62c2a0" providerId="LiveId" clId="{95702E18-22E4-4321-A6FD-987AA5C74287}" dt="2025-11-08T09:49:31.767" v="405" actId="20577"/>
           <ac:spMkLst>
             <pc:docMk/>
             <pc:sldMk cId="3982816907" sldId="261"/>
             <ac:spMk id="3" creationId="{2F5D2EB3-7FE2-F70D-9355-4E32EF445116}"/>
-          </ac:spMkLst>
-        </pc:spChg>
-        <pc:spChg chg="add">
-          <ac:chgData name="Gaurav Kothari" userId="ae0e5468ea62c2a0" providerId="LiveId" clId="{95702E18-22E4-4321-A6FD-987AA5C74287}" dt="2025-11-08T09:32:54.191" v="272"/>
-          <ac:spMkLst>
-            <pc:docMk/>
-            <pc:sldMk cId="3982816907" sldId="261"/>
-            <ac:spMk id="4" creationId="{6039E738-1950-8323-4F8E-7E7F7E75EA6A}"/>
           </ac:spMkLst>
         </pc:spChg>
       </pc:sldChg>
@@ -295,14 +254,6 @@
           <pc:docMk/>
           <pc:sldMk cId="1387889751" sldId="262"/>
         </pc:sldMkLst>
-        <pc:spChg chg="del">
-          <ac:chgData name="Gaurav Kothari" userId="ae0e5468ea62c2a0" providerId="LiveId" clId="{95702E18-22E4-4321-A6FD-987AA5C74287}" dt="2025-11-08T09:36:09.788" v="370" actId="478"/>
-          <ac:spMkLst>
-            <pc:docMk/>
-            <pc:sldMk cId="1387889751" sldId="262"/>
-            <ac:spMk id="2" creationId="{3564C7A1-9D27-9EC7-E5A2-F4E705D5B4E9}"/>
-          </ac:spMkLst>
-        </pc:spChg>
         <pc:spChg chg="mod">
           <ac:chgData name="Gaurav Kothari" userId="ae0e5468ea62c2a0" providerId="LiveId" clId="{95702E18-22E4-4321-A6FD-987AA5C74287}" dt="2025-11-08T09:50:37.950" v="460" actId="14100"/>
           <ac:spMkLst>
@@ -318,14 +269,6 @@
           <pc:docMk/>
           <pc:sldMk cId="3583244050" sldId="263"/>
         </pc:sldMkLst>
-        <pc:spChg chg="del mod">
-          <ac:chgData name="Gaurav Kothari" userId="ae0e5468ea62c2a0" providerId="LiveId" clId="{95702E18-22E4-4321-A6FD-987AA5C74287}" dt="2025-11-08T09:51:40.441" v="479" actId="478"/>
-          <ac:spMkLst>
-            <pc:docMk/>
-            <pc:sldMk cId="3583244050" sldId="263"/>
-            <ac:spMk id="2" creationId="{95ADD874-B6DC-23EA-A32E-249F9719BA76}"/>
-          </ac:spMkLst>
-        </pc:spChg>
         <pc:spChg chg="mod">
           <ac:chgData name="Gaurav Kothari" userId="ae0e5468ea62c2a0" providerId="LiveId" clId="{95702E18-22E4-4321-A6FD-987AA5C74287}" dt="2025-11-08T09:51:54.594" v="486" actId="113"/>
           <ac:spMkLst>
@@ -336,7 +279,7 @@
         </pc:spChg>
       </pc:sldChg>
       <pc:sldChg chg="modSp new mod">
-        <pc:chgData name="Gaurav Kothari" userId="ae0e5468ea62c2a0" providerId="LiveId" clId="{95702E18-22E4-4321-A6FD-987AA5C74287}" dt="2025-11-08T09:57:39.617" v="584"/>
+        <pc:chgData name="Gaurav Kothari" userId="ae0e5468ea62c2a0" providerId="LiveId" clId="{95702E18-22E4-4321-A6FD-987AA5C74287}" dt="2025-11-11T09:52:37.303" v="597" actId="21"/>
         <pc:sldMkLst>
           <pc:docMk/>
           <pc:sldMk cId="2985297339" sldId="264"/>
@@ -350,7 +293,7 @@
           </ac:spMkLst>
         </pc:spChg>
         <pc:spChg chg="mod">
-          <ac:chgData name="Gaurav Kothari" userId="ae0e5468ea62c2a0" providerId="LiveId" clId="{95702E18-22E4-4321-A6FD-987AA5C74287}" dt="2025-11-08T09:57:39.617" v="584"/>
+          <ac:chgData name="Gaurav Kothari" userId="ae0e5468ea62c2a0" providerId="LiveId" clId="{95702E18-22E4-4321-A6FD-987AA5C74287}" dt="2025-11-11T09:52:37.303" v="597" actId="21"/>
           <ac:spMkLst>
             <pc:docMk/>
             <pc:sldMk cId="2985297339" sldId="264"/>
@@ -427,6 +370,36 @@
           </ac:spMkLst>
         </pc:spChg>
       </pc:sldChg>
+      <pc:sldChg chg="new">
+        <pc:chgData name="Gaurav Kothari" userId="ae0e5468ea62c2a0" providerId="LiveId" clId="{95702E18-22E4-4321-A6FD-987AA5C74287}" dt="2025-11-11T09:43:52.987" v="585" actId="680"/>
+        <pc:sldMkLst>
+          <pc:docMk/>
+          <pc:sldMk cId="1511672894" sldId="268"/>
+        </pc:sldMkLst>
+      </pc:sldChg>
+      <pc:sldChg chg="delSp modSp new mod">
+        <pc:chgData name="Gaurav Kothari" userId="ae0e5468ea62c2a0" providerId="LiveId" clId="{95702E18-22E4-4321-A6FD-987AA5C74287}" dt="2025-11-11T09:53:24.098" v="625" actId="20577"/>
+        <pc:sldMkLst>
+          <pc:docMk/>
+          <pc:sldMk cId="1474815503" sldId="269"/>
+        </pc:sldMkLst>
+        <pc:spChg chg="del">
+          <ac:chgData name="Gaurav Kothari" userId="ae0e5468ea62c2a0" providerId="LiveId" clId="{95702E18-22E4-4321-A6FD-987AA5C74287}" dt="2025-11-11T09:53:01.286" v="608" actId="478"/>
+          <ac:spMkLst>
+            <pc:docMk/>
+            <pc:sldMk cId="1474815503" sldId="269"/>
+            <ac:spMk id="2" creationId="{EF91F048-AFCD-615E-B990-B0BF02E5CD25}"/>
+          </ac:spMkLst>
+        </pc:spChg>
+        <pc:spChg chg="mod">
+          <ac:chgData name="Gaurav Kothari" userId="ae0e5468ea62c2a0" providerId="LiveId" clId="{95702E18-22E4-4321-A6FD-987AA5C74287}" dt="2025-11-11T09:53:24.098" v="625" actId="20577"/>
+          <ac:spMkLst>
+            <pc:docMk/>
+            <pc:sldMk cId="1474815503" sldId="269"/>
+            <ac:spMk id="3" creationId="{6014CCB8-3E48-0F07-5834-05320F7D1729}"/>
+          </ac:spMkLst>
+        </pc:spChg>
+      </pc:sldChg>
     </pc:docChg>
   </pc:docChgLst>
 </pc:chgInfo>
@@ -579,7 +552,7 @@
           <a:p>
             <a:fld id="{EC55B333-991C-4D0D-A170-198A8225E4DB}" type="datetimeFigureOut">
               <a:rPr lang="en-US" smtClean="0"/>
-              <a:t>11/8/2025</a:t>
+              <a:t>11/11/2025</a:t>
             </a:fld>
             <a:endParaRPr lang="en-US"/>
           </a:p>
@@ -777,7 +750,7 @@
           <a:p>
             <a:fld id="{EC55B333-991C-4D0D-A170-198A8225E4DB}" type="datetimeFigureOut">
               <a:rPr lang="en-US" smtClean="0"/>
-              <a:t>11/8/2025</a:t>
+              <a:t>11/11/2025</a:t>
             </a:fld>
             <a:endParaRPr lang="en-US"/>
           </a:p>
@@ -985,7 +958,7 @@
           <a:p>
             <a:fld id="{EC55B333-991C-4D0D-A170-198A8225E4DB}" type="datetimeFigureOut">
               <a:rPr lang="en-US" smtClean="0"/>
-              <a:t>11/8/2025</a:t>
+              <a:t>11/11/2025</a:t>
             </a:fld>
             <a:endParaRPr lang="en-US"/>
           </a:p>
@@ -1183,7 +1156,7 @@
           <a:p>
             <a:fld id="{EC55B333-991C-4D0D-A170-198A8225E4DB}" type="datetimeFigureOut">
               <a:rPr lang="en-US" smtClean="0"/>
-              <a:t>11/8/2025</a:t>
+              <a:t>11/11/2025</a:t>
             </a:fld>
             <a:endParaRPr lang="en-US"/>
           </a:p>
@@ -1458,7 +1431,7 @@
           <a:p>
             <a:fld id="{EC55B333-991C-4D0D-A170-198A8225E4DB}" type="datetimeFigureOut">
               <a:rPr lang="en-US" smtClean="0"/>
-              <a:t>11/8/2025</a:t>
+              <a:t>11/11/2025</a:t>
             </a:fld>
             <a:endParaRPr lang="en-US"/>
           </a:p>
@@ -1723,7 +1696,7 @@
           <a:p>
             <a:fld id="{EC55B333-991C-4D0D-A170-198A8225E4DB}" type="datetimeFigureOut">
               <a:rPr lang="en-US" smtClean="0"/>
-              <a:t>11/8/2025</a:t>
+              <a:t>11/11/2025</a:t>
             </a:fld>
             <a:endParaRPr lang="en-US"/>
           </a:p>
@@ -2135,7 +2108,7 @@
           <a:p>
             <a:fld id="{EC55B333-991C-4D0D-A170-198A8225E4DB}" type="datetimeFigureOut">
               <a:rPr lang="en-US" smtClean="0"/>
-              <a:t>11/8/2025</a:t>
+              <a:t>11/11/2025</a:t>
             </a:fld>
             <a:endParaRPr lang="en-US"/>
           </a:p>
@@ -2276,7 +2249,7 @@
           <a:p>
             <a:fld id="{EC55B333-991C-4D0D-A170-198A8225E4DB}" type="datetimeFigureOut">
               <a:rPr lang="en-US" smtClean="0"/>
-              <a:t>11/8/2025</a:t>
+              <a:t>11/11/2025</a:t>
             </a:fld>
             <a:endParaRPr lang="en-US"/>
           </a:p>
@@ -2389,7 +2362,7 @@
           <a:p>
             <a:fld id="{EC55B333-991C-4D0D-A170-198A8225E4DB}" type="datetimeFigureOut">
               <a:rPr lang="en-US" smtClean="0"/>
-              <a:t>11/8/2025</a:t>
+              <a:t>11/11/2025</a:t>
             </a:fld>
             <a:endParaRPr lang="en-US"/>
           </a:p>
@@ -2700,7 +2673,7 @@
           <a:p>
             <a:fld id="{EC55B333-991C-4D0D-A170-198A8225E4DB}" type="datetimeFigureOut">
               <a:rPr lang="en-US" smtClean="0"/>
-              <a:t>11/8/2025</a:t>
+              <a:t>11/11/2025</a:t>
             </a:fld>
             <a:endParaRPr lang="en-US"/>
           </a:p>
@@ -2988,7 +2961,7 @@
           <a:p>
             <a:fld id="{EC55B333-991C-4D0D-A170-198A8225E4DB}" type="datetimeFigureOut">
               <a:rPr lang="en-US" smtClean="0"/>
-              <a:t>11/8/2025</a:t>
+              <a:t>11/11/2025</a:t>
             </a:fld>
             <a:endParaRPr lang="en-US"/>
           </a:p>
@@ -3229,7 +3202,7 @@
           <a:p>
             <a:fld id="{EC55B333-991C-4D0D-A170-198A8225E4DB}" type="datetimeFigureOut">
               <a:rPr lang="en-US" smtClean="0"/>
-              <a:t>11/8/2025</a:t>
+              <a:t>11/11/2025</a:t>
             </a:fld>
             <a:endParaRPr lang="en-US"/>
           </a:p>
@@ -3821,24 +3794,24 @@
       </p:grpSpPr>
       <p:sp>
         <p:nvSpPr>
-          <p:cNvPr id="2" name="Title 1">
-            <a:extLst>
-              <a:ext uri="{FF2B5EF4-FFF2-40B4-BE49-F238E27FC236}">
-                <a16:creationId xmlns:a16="http://schemas.microsoft.com/office/drawing/2014/main" id="{5F9E9855-745C-DEEE-CEC2-738AD6AFFDA2}"/>
-              </a:ext>
-            </a:extLst>
-          </p:cNvPr>
-          <p:cNvSpPr>
-            <a:spLocks noGrp="1"/>
-          </p:cNvSpPr>
-          <p:nvPr>
-            <p:ph type="title"/>
+          <p:cNvPr id="3" name="Content Placeholder 2">
+            <a:extLst>
+              <a:ext uri="{FF2B5EF4-FFF2-40B4-BE49-F238E27FC236}">
+                <a16:creationId xmlns:a16="http://schemas.microsoft.com/office/drawing/2014/main" id="{6014CCB8-3E48-0F07-5834-05320F7D1729}"/>
+              </a:ext>
+            </a:extLst>
+          </p:cNvPr>
+          <p:cNvSpPr>
+            <a:spLocks noGrp="1"/>
+          </p:cNvSpPr>
+          <p:nvPr>
+            <p:ph idx="1"/>
           </p:nvPr>
         </p:nvSpPr>
         <p:spPr>
           <a:xfrm>
-            <a:off x="838200" y="365125"/>
-            <a:ext cx="10515600" cy="900149"/>
+            <a:off x="595423" y="542260"/>
+            <a:ext cx="10758377" cy="5634703"/>
           </a:xfrm>
         </p:spPr>
         <p:txBody>
@@ -3847,87 +3820,10 @@
           </a:bodyPr>
           <a:lstStyle/>
           <a:p>
-            <a:r>
-              <a:rPr lang="en-US" sz="4000" b="1" dirty="0"/>
-              <a:t>2. </a:t>
-            </a:r>
-            <a:r>
-              <a:rPr lang="en-US" sz="4000" b="1" dirty="0" err="1"/>
-              <a:t>BasicDataSource</a:t>
-            </a:r>
-            <a:r>
-              <a:rPr lang="en-US" sz="4000" b="1" dirty="0"/>
-              <a:t> (Apache Commons DBCP)</a:t>
-            </a:r>
-            <a:endParaRPr lang="en-US" sz="4000" dirty="0"/>
-          </a:p>
-        </p:txBody>
-      </p:sp>
-      <p:sp>
-        <p:nvSpPr>
-          <p:cNvPr id="3" name="Content Placeholder 2">
-            <a:extLst>
-              <a:ext uri="{FF2B5EF4-FFF2-40B4-BE49-F238E27FC236}">
-                <a16:creationId xmlns:a16="http://schemas.microsoft.com/office/drawing/2014/main" id="{51F34DAD-54D1-64D6-84FA-720AD03A3E37}"/>
-              </a:ext>
-            </a:extLst>
-          </p:cNvPr>
-          <p:cNvSpPr>
-            <a:spLocks noGrp="1"/>
-          </p:cNvSpPr>
-          <p:nvPr>
-            <p:ph idx="1"/>
-          </p:nvPr>
-        </p:nvSpPr>
-        <p:spPr>
-          <a:xfrm>
-            <a:off x="838200" y="1127051"/>
-            <a:ext cx="10515600" cy="5049912"/>
-          </a:xfrm>
-        </p:spPr>
-        <p:txBody>
-          <a:bodyPr>
-            <a:noAutofit/>
-          </a:bodyPr>
-          <a:lstStyle/>
-          <a:p>
             <a:pPr lvl="0"/>
             <a:r>
               <a:rPr lang="en-US" sz="2200" b="1" dirty="0"/>
-              <a:t>Library</a:t>
-            </a:r>
-            <a:r>
-              <a:rPr lang="en-US" sz="2200" dirty="0"/>
-              <a:t>: Apache Commons DBCP</a:t>
-            </a:r>
-          </a:p>
-          <a:p>
-            <a:pPr lvl="0"/>
-            <a:r>
-              <a:rPr lang="en-US" sz="2200" b="1" dirty="0"/>
-              <a:t>Known for</a:t>
-            </a:r>
-            <a:r>
-              <a:rPr lang="en-US" sz="2200" dirty="0"/>
-              <a:t>: Stability and maturity</a:t>
-            </a:r>
-          </a:p>
-          <a:p>
-            <a:pPr lvl="0"/>
-            <a:r>
-              <a:rPr lang="en-US" sz="2200" b="1" dirty="0"/>
-              <a:t>Use Case</a:t>
-            </a:r>
-            <a:r>
-              <a:rPr lang="en-US" sz="2200" dirty="0"/>
-              <a:t>: Legacy systems or applications that prefer Apache libraries</a:t>
-            </a:r>
-          </a:p>
-          <a:p>
-            <a:pPr lvl="0"/>
-            <a:r>
-              <a:rPr lang="en-US" sz="2200" b="1" dirty="0"/>
-              <a:t>Features</a:t>
+              <a:t>Example</a:t>
             </a:r>
             <a:r>
               <a:rPr lang="en-US" sz="2200" dirty="0"/>
@@ -3935,43 +3831,53 @@
             </a:r>
           </a:p>
           <a:p>
-            <a:pPr lvl="1"/>
+            <a:pPr marL="457200" lvl="1" indent="0">
+              <a:buNone/>
+            </a:pPr>
+            <a:r>
+              <a:rPr lang="en-US" sz="2200" dirty="0" err="1"/>
+              <a:t>HikariConfig</a:t>
+            </a:r>
             <a:r>
               <a:rPr lang="en-US" sz="2200" dirty="0"/>
-              <a:t>Thread-safe connection pooling</a:t>
-            </a:r>
-          </a:p>
-          <a:p>
-            <a:pPr lvl="1"/>
+              <a:t> config = new </a:t>
+            </a:r>
+            <a:r>
+              <a:rPr lang="en-US" sz="2200" dirty="0" err="1"/>
+              <a:t>HikariConfig</a:t>
+            </a:r>
             <a:r>
               <a:rPr lang="en-US" sz="2200" dirty="0"/>
-              <a:t>More verbose configuration</a:t>
-            </a:r>
-          </a:p>
-          <a:p>
-            <a:pPr lvl="1"/>
+              <a:t>();</a:t>
+            </a:r>
+          </a:p>
+          <a:p>
+            <a:pPr marL="457200" lvl="1" indent="0">
+              <a:buNone/>
+            </a:pPr>
+            <a:r>
+              <a:rPr lang="en-US" sz="2200" dirty="0" err="1"/>
+              <a:t>config.setJdbcUrl</a:t>
+            </a:r>
             <a:r>
               <a:rPr lang="en-US" sz="2200" dirty="0"/>
-              <a:t>Slower than </a:t>
+              <a:t>("</a:t>
             </a:r>
             <a:r>
               <a:rPr lang="en-US" sz="2200" dirty="0" err="1"/>
-              <a:t>HikariCP</a:t>
+              <a:t>jdbc:mysql</a:t>
             </a:r>
             <a:r>
               <a:rPr lang="en-US" sz="2200" dirty="0"/>
-              <a:t> but widely used</a:t>
-            </a:r>
-          </a:p>
-          <a:p>
-            <a:pPr lvl="0"/>
-            <a:r>
-              <a:rPr lang="en-US" sz="2200" b="1" dirty="0"/>
-              <a:t>Example</a:t>
+              <a:t>://localhost:3306/</a:t>
+            </a:r>
+            <a:r>
+              <a:rPr lang="en-US" sz="2200" dirty="0" err="1"/>
+              <a:t>mydb</a:t>
             </a:r>
             <a:r>
               <a:rPr lang="en-US" sz="2200" dirty="0"/>
-              <a:t>:</a:t>
+              <a:t>");</a:t>
             </a:r>
           </a:p>
           <a:p>
@@ -3979,19 +3885,100 @@
               <a:buNone/>
             </a:pPr>
             <a:r>
-              <a:rPr lang="en-US" sz="1800" dirty="0" err="1"/>
-              <a:t>BasicDataSource</a:t>
-            </a:r>
-            <a:r>
-              <a:rPr lang="en-US" sz="1800" dirty="0"/>
+              <a:rPr lang="en-US" sz="2200" dirty="0" err="1"/>
+              <a:t>config.setUsername</a:t>
+            </a:r>
+            <a:r>
+              <a:rPr lang="en-US" sz="2200" dirty="0"/>
+              <a:t>("user");</a:t>
+            </a:r>
+          </a:p>
+          <a:p>
+            <a:pPr marL="457200" lvl="1" indent="0">
+              <a:buNone/>
+            </a:pPr>
+            <a:r>
+              <a:rPr lang="en-US" sz="2200" dirty="0" err="1"/>
+              <a:t>config.setPassword</a:t>
+            </a:r>
+            <a:r>
+              <a:rPr lang="en-US" sz="2200" dirty="0"/>
+              <a:t>("pass");</a:t>
+            </a:r>
+          </a:p>
+          <a:p>
+            <a:pPr marL="457200" lvl="1" indent="0">
+              <a:buNone/>
+            </a:pPr>
+            <a:r>
+              <a:rPr lang="en-US" sz="2200" dirty="0" err="1"/>
+              <a:t>config.setMaximumPoolSize</a:t>
+            </a:r>
+            <a:r>
+              <a:rPr lang="en-US" sz="2200" dirty="0"/>
+              <a:t>(10);</a:t>
+            </a:r>
+          </a:p>
+          <a:p>
+            <a:pPr marL="457200" lvl="1" indent="0">
+              <a:buNone/>
+            </a:pPr>
+            <a:r>
+              <a:rPr lang="en-US" sz="2200" dirty="0" err="1"/>
+              <a:t>DataSource</a:t>
+            </a:r>
+            <a:r>
+              <a:rPr lang="en-US" sz="2200" dirty="0"/>
               <a:t> ds = new </a:t>
             </a:r>
             <a:r>
-              <a:rPr lang="en-US" sz="1800" dirty="0" err="1"/>
-              <a:t>BasicDataSource</a:t>
-            </a:r>
-            <a:r>
-              <a:rPr lang="en-US" sz="1800" dirty="0"/>
+              <a:rPr lang="en-US" sz="2200" dirty="0" err="1"/>
+              <a:t>HikariDataSource</a:t>
+            </a:r>
+            <a:r>
+              <a:rPr lang="en-US" sz="2200" dirty="0"/>
+              <a:t>(config);</a:t>
+            </a:r>
+          </a:p>
+          <a:p>
+            <a:pPr marL="457200" lvl="1" indent="0">
+              <a:buNone/>
+            </a:pPr>
+            <a:endParaRPr lang="en-US" sz="2200" dirty="0"/>
+          </a:p>
+          <a:p>
+            <a:pPr marL="457200" lvl="1" indent="0">
+              <a:buNone/>
+            </a:pPr>
+            <a:r>
+              <a:rPr lang="en-US" sz="2200" dirty="0"/>
+              <a:t>Or</a:t>
+            </a:r>
+          </a:p>
+          <a:p>
+            <a:pPr marL="457200" lvl="1" indent="0">
+              <a:buNone/>
+            </a:pPr>
+            <a:endParaRPr lang="en-US" sz="2200" dirty="0"/>
+          </a:p>
+          <a:p>
+            <a:pPr marL="457200" lvl="1" indent="0">
+              <a:buNone/>
+            </a:pPr>
+            <a:r>
+              <a:rPr lang="en-US" sz="2200" dirty="0" err="1"/>
+              <a:t>HikariDataSource</a:t>
+            </a:r>
+            <a:r>
+              <a:rPr lang="en-US" sz="2200" dirty="0"/>
+              <a:t> ds = new </a:t>
+            </a:r>
+            <a:r>
+              <a:rPr lang="en-US" sz="2200" dirty="0" err="1"/>
+              <a:t>HikariDataSource</a:t>
+            </a:r>
+            <a:r>
+              <a:rPr lang="en-US" sz="2200" dirty="0"/>
               <a:t>();</a:t>
             </a:r>
           </a:p>
@@ -4000,27 +3987,27 @@
               <a:buNone/>
             </a:pPr>
             <a:r>
-              <a:rPr lang="en-US" sz="1800" dirty="0" err="1"/>
-              <a:t>ds.setUrl</a:t>
-            </a:r>
-            <a:r>
-              <a:rPr lang="en-US" sz="1800" dirty="0"/>
+              <a:rPr lang="en-US" sz="2200" dirty="0" err="1"/>
+              <a:t>ds.setJdbcUrl</a:t>
+            </a:r>
+            <a:r>
+              <a:rPr lang="en-US" sz="2200" dirty="0"/>
               <a:t>("</a:t>
             </a:r>
             <a:r>
-              <a:rPr lang="en-US" sz="1800" dirty="0" err="1"/>
+              <a:rPr lang="en-US" sz="2200" dirty="0" err="1"/>
               <a:t>jdbc:mysql</a:t>
             </a:r>
             <a:r>
-              <a:rPr lang="en-US" sz="1800" dirty="0"/>
+              <a:rPr lang="en-US" sz="2200" dirty="0"/>
               <a:t>://localhost:3306/</a:t>
             </a:r>
             <a:r>
-              <a:rPr lang="en-US" sz="1800" dirty="0" err="1"/>
+              <a:rPr lang="en-US" sz="2200" dirty="0" err="1"/>
               <a:t>mydb</a:t>
             </a:r>
             <a:r>
-              <a:rPr lang="en-US" sz="1800" dirty="0"/>
+              <a:rPr lang="en-US" sz="2200" dirty="0"/>
               <a:t>");</a:t>
             </a:r>
           </a:p>
@@ -4029,11 +4016,11 @@
               <a:buNone/>
             </a:pPr>
             <a:r>
-              <a:rPr lang="en-US" sz="1800" dirty="0" err="1"/>
+              <a:rPr lang="en-US" sz="2200" dirty="0" err="1"/>
               <a:t>ds.setUsername</a:t>
             </a:r>
             <a:r>
-              <a:rPr lang="en-US" sz="1800" dirty="0"/>
+              <a:rPr lang="en-US" sz="2200" dirty="0"/>
               <a:t>("user");</a:t>
             </a:r>
           </a:p>
@@ -4042,11 +4029,11 @@
               <a:buNone/>
             </a:pPr>
             <a:r>
-              <a:rPr lang="en-US" sz="1800" dirty="0" err="1"/>
+              <a:rPr lang="en-US" sz="2200" dirty="0" err="1"/>
               <a:t>ds.setPassword</a:t>
             </a:r>
             <a:r>
-              <a:rPr lang="en-US" sz="1800" dirty="0"/>
+              <a:rPr lang="en-US" sz="2200" dirty="0"/>
               <a:t>("pass");</a:t>
             </a:r>
           </a:p>
@@ -4055,24 +4042,23 @@
               <a:buNone/>
             </a:pPr>
             <a:r>
-              <a:rPr lang="en-US" sz="1800" dirty="0" err="1"/>
-              <a:t>ds.setMaxTotal</a:t>
-            </a:r>
-            <a:r>
-              <a:rPr lang="en-US" sz="1800" dirty="0"/>
+              <a:rPr lang="en-US" sz="2200" dirty="0" err="1"/>
+              <a:t>ds.setMaximumPoolSize</a:t>
+            </a:r>
+            <a:r>
+              <a:rPr lang="en-US" sz="2200" dirty="0"/>
               <a:t>(10);</a:t>
             </a:r>
           </a:p>
           <a:p>
-            <a:pPr lvl="1"/>
-            <a:endParaRPr lang="en-US" sz="1800" dirty="0"/>
+            <a:endParaRPr lang="en-US" sz="2200" dirty="0"/>
           </a:p>
         </p:txBody>
       </p:sp>
     </p:spTree>
     <p:extLst>
       <p:ext uri="{BB962C8B-B14F-4D97-AF65-F5344CB8AC3E}">
-        <p14:creationId xmlns:p14="http://schemas.microsoft.com/office/powerpoint/2010/main" val="2724520810"/>
+        <p14:creationId xmlns:p14="http://schemas.microsoft.com/office/powerpoint/2010/main" val="1474815503"/>
       </p:ext>
     </p:extLst>
   </p:cSld>
@@ -4104,7 +4090,7 @@
           <p:cNvPr id="2" name="Title 1">
             <a:extLst>
               <a:ext uri="{FF2B5EF4-FFF2-40B4-BE49-F238E27FC236}">
-                <a16:creationId xmlns:a16="http://schemas.microsoft.com/office/drawing/2014/main" id="{B086EE87-AB7C-0A50-09E0-7E89462A6BCD}"/>
+                <a16:creationId xmlns:a16="http://schemas.microsoft.com/office/drawing/2014/main" id="{5F9E9855-745C-DEEE-CEC2-738AD6AFFDA2}"/>
               </a:ext>
             </a:extLst>
           </p:cNvPr>
@@ -4115,7 +4101,12 @@
             <p:ph type="title"/>
           </p:nvPr>
         </p:nvSpPr>
-        <p:spPr/>
+        <p:spPr>
+          <a:xfrm>
+            <a:off x="838200" y="365125"/>
+            <a:ext cx="10515600" cy="900149"/>
+          </a:xfrm>
+        </p:spPr>
         <p:txBody>
           <a:bodyPr>
             <a:normAutofit/>
@@ -4123,18 +4114,18 @@
           <a:lstStyle/>
           <a:p>
             <a:r>
-              <a:rPr lang="en-US" sz="4300" b="1" dirty="0"/>
-              <a:t>3. </a:t>
-            </a:r>
-            <a:r>
-              <a:rPr lang="en-US" sz="4300" b="1" dirty="0" err="1"/>
-              <a:t>DriverManagerDataSource</a:t>
-            </a:r>
-            <a:r>
-              <a:rPr lang="en-US" sz="4300" b="1" dirty="0"/>
-              <a:t> (Spring JDBC)</a:t>
-            </a:r>
-            <a:endParaRPr lang="en-US" sz="4300" dirty="0"/>
+              <a:rPr lang="en-US" sz="4000" b="1" dirty="0"/>
+              <a:t>2. </a:t>
+            </a:r>
+            <a:r>
+              <a:rPr lang="en-US" sz="4000" b="1" dirty="0" err="1"/>
+              <a:t>BasicDataSource</a:t>
+            </a:r>
+            <a:r>
+              <a:rPr lang="en-US" sz="4000" b="1" dirty="0"/>
+              <a:t> (Apache Commons DBCP)</a:t>
+            </a:r>
+            <a:endParaRPr lang="en-US" sz="4000" dirty="0"/>
           </a:p>
         </p:txBody>
       </p:sp>
@@ -4143,7 +4134,7 @@
           <p:cNvPr id="3" name="Content Placeholder 2">
             <a:extLst>
               <a:ext uri="{FF2B5EF4-FFF2-40B4-BE49-F238E27FC236}">
-                <a16:creationId xmlns:a16="http://schemas.microsoft.com/office/drawing/2014/main" id="{71B3BF3E-5092-67DD-3097-808A8F5CBA65}"/>
+                <a16:creationId xmlns:a16="http://schemas.microsoft.com/office/drawing/2014/main" id="{51F34DAD-54D1-64D6-84FA-720AD03A3E37}"/>
               </a:ext>
             </a:extLst>
           </p:cNvPr>
@@ -4156,8 +4147,8 @@
         </p:nvSpPr>
         <p:spPr>
           <a:xfrm>
-            <a:off x="956930" y="1690688"/>
-            <a:ext cx="10396870" cy="4486275"/>
+            <a:off x="838200" y="1127051"/>
+            <a:ext cx="10515600" cy="5049912"/>
           </a:xfrm>
         </p:spPr>
         <p:txBody>
@@ -4173,7 +4164,7 @@
             </a:r>
             <a:r>
               <a:rPr lang="en-US" sz="2200" dirty="0"/>
-              <a:t>: Spring Framework</a:t>
+              <a:t>: Apache Commons DBCP</a:t>
             </a:r>
           </a:p>
           <a:p>
@@ -4184,13 +4175,8 @@
             </a:r>
             <a:r>
               <a:rPr lang="en-US" sz="2200" dirty="0"/>
-              <a:t>: Simplicity, but </a:t>
-            </a:r>
-            <a:r>
-              <a:rPr lang="en-US" sz="2200" b="1" dirty="0"/>
-              <a:t>no pooling</a:t>
-            </a:r>
-            <a:endParaRPr lang="en-US" sz="2200" dirty="0"/>
+              <a:t>: Stability and maturity</a:t>
+            </a:r>
           </a:p>
           <a:p>
             <a:pPr lvl="0"/>
@@ -4200,7 +4186,7 @@
             </a:r>
             <a:r>
               <a:rPr lang="en-US" sz="2200" dirty="0"/>
-              <a:t>: Testing, small apps, or when pooling is handled externally</a:t>
+              <a:t>: Legacy systems or applications that prefer Apache libraries</a:t>
             </a:r>
           </a:p>
           <a:p>
@@ -4218,21 +4204,29 @@
             <a:pPr lvl="1"/>
             <a:r>
               <a:rPr lang="en-US" sz="2200" dirty="0"/>
-              <a:t>Creates a new connection every time</a:t>
+              <a:t>Thread-safe connection pooling</a:t>
             </a:r>
           </a:p>
           <a:p>
             <a:pPr lvl="1"/>
             <a:r>
               <a:rPr lang="en-US" sz="2200" dirty="0"/>
-              <a:t>Not suitable for production use</a:t>
+              <a:t>More verbose configuration</a:t>
             </a:r>
           </a:p>
           <a:p>
             <a:pPr lvl="1"/>
             <a:r>
               <a:rPr lang="en-US" sz="2200" dirty="0"/>
-              <a:t>Great for unit tests or quick prototypes</a:t>
+              <a:t>Slower than </a:t>
+            </a:r>
+            <a:r>
+              <a:rPr lang="en-US" sz="2200" dirty="0" err="1"/>
+              <a:t>HikariCP</a:t>
+            </a:r>
+            <a:r>
+              <a:rPr lang="en-US" sz="2200" dirty="0"/>
+              <a:t> but widely used</a:t>
             </a:r>
           </a:p>
           <a:p>
@@ -4251,19 +4245,19 @@
               <a:buNone/>
             </a:pPr>
             <a:r>
-              <a:rPr lang="en-US" sz="2200" dirty="0" err="1"/>
-              <a:t>DriverManagerDataSource</a:t>
-            </a:r>
-            <a:r>
-              <a:rPr lang="en-US" sz="2200" dirty="0"/>
+              <a:rPr lang="en-US" sz="1800" dirty="0" err="1"/>
+              <a:t>BasicDataSource</a:t>
+            </a:r>
+            <a:r>
+              <a:rPr lang="en-US" sz="1800" dirty="0"/>
               <a:t> ds = new </a:t>
             </a:r>
             <a:r>
-              <a:rPr lang="en-US" sz="2200" dirty="0" err="1"/>
-              <a:t>DriverManagerDataSource</a:t>
-            </a:r>
-            <a:r>
-              <a:rPr lang="en-US" sz="2200" dirty="0"/>
+              <a:rPr lang="en-US" sz="1800" dirty="0" err="1"/>
+              <a:t>BasicDataSource</a:t>
+            </a:r>
+            <a:r>
+              <a:rPr lang="en-US" sz="1800" dirty="0"/>
               <a:t>();</a:t>
             </a:r>
           </a:p>
@@ -4272,27 +4266,27 @@
               <a:buNone/>
             </a:pPr>
             <a:r>
-              <a:rPr lang="en-US" sz="2200" dirty="0" err="1"/>
+              <a:rPr lang="en-US" sz="1800" dirty="0" err="1"/>
               <a:t>ds.setUrl</a:t>
             </a:r>
             <a:r>
-              <a:rPr lang="en-US" sz="2200" dirty="0"/>
+              <a:rPr lang="en-US" sz="1800" dirty="0"/>
               <a:t>("</a:t>
             </a:r>
             <a:r>
-              <a:rPr lang="en-US" sz="2200" dirty="0" err="1"/>
+              <a:rPr lang="en-US" sz="1800" dirty="0" err="1"/>
               <a:t>jdbc:mysql</a:t>
             </a:r>
             <a:r>
-              <a:rPr lang="en-US" sz="2200" dirty="0"/>
+              <a:rPr lang="en-US" sz="1800" dirty="0"/>
               <a:t>://localhost:3306/</a:t>
             </a:r>
             <a:r>
-              <a:rPr lang="en-US" sz="2200" dirty="0" err="1"/>
+              <a:rPr lang="en-US" sz="1800" dirty="0" err="1"/>
               <a:t>mydb</a:t>
             </a:r>
             <a:r>
-              <a:rPr lang="en-US" sz="2200" dirty="0"/>
+              <a:rPr lang="en-US" sz="1800" dirty="0"/>
               <a:t>");</a:t>
             </a:r>
           </a:p>
@@ -4301,11 +4295,11 @@
               <a:buNone/>
             </a:pPr>
             <a:r>
-              <a:rPr lang="en-US" sz="2200" dirty="0" err="1"/>
+              <a:rPr lang="en-US" sz="1800" dirty="0" err="1"/>
               <a:t>ds.setUsername</a:t>
             </a:r>
             <a:r>
-              <a:rPr lang="en-US" sz="2200" dirty="0"/>
+              <a:rPr lang="en-US" sz="1800" dirty="0"/>
               <a:t>("user");</a:t>
             </a:r>
           </a:p>
@@ -4314,23 +4308,37 @@
               <a:buNone/>
             </a:pPr>
             <a:r>
-              <a:rPr lang="en-US" sz="2200" dirty="0" err="1"/>
+              <a:rPr lang="en-US" sz="1800" dirty="0" err="1"/>
               <a:t>ds.setPassword</a:t>
             </a:r>
             <a:r>
-              <a:rPr lang="en-US" sz="2200" dirty="0"/>
+              <a:rPr lang="en-US" sz="1800" dirty="0"/>
               <a:t>("pass");</a:t>
             </a:r>
           </a:p>
           <a:p>
-            <a:endParaRPr lang="en-US" sz="2200" dirty="0"/>
+            <a:pPr marL="457200" lvl="1" indent="0">
+              <a:buNone/>
+            </a:pPr>
+            <a:r>
+              <a:rPr lang="en-US" sz="1800" dirty="0" err="1"/>
+              <a:t>ds.setMaxTotal</a:t>
+            </a:r>
+            <a:r>
+              <a:rPr lang="en-US" sz="1800" dirty="0"/>
+              <a:t>(10);</a:t>
+            </a:r>
+          </a:p>
+          <a:p>
+            <a:pPr lvl="1"/>
+            <a:endParaRPr lang="en-US" sz="1800" dirty="0"/>
           </a:p>
         </p:txBody>
       </p:sp>
     </p:spTree>
     <p:extLst>
       <p:ext uri="{BB962C8B-B14F-4D97-AF65-F5344CB8AC3E}">
-        <p14:creationId xmlns:p14="http://schemas.microsoft.com/office/powerpoint/2010/main" val="1659082571"/>
+        <p14:creationId xmlns:p14="http://schemas.microsoft.com/office/powerpoint/2010/main" val="2724520810"/>
       </p:ext>
     </p:extLst>
   </p:cSld>
@@ -4362,6 +4370,264 @@
           <p:cNvPr id="2" name="Title 1">
             <a:extLst>
               <a:ext uri="{FF2B5EF4-FFF2-40B4-BE49-F238E27FC236}">
+                <a16:creationId xmlns:a16="http://schemas.microsoft.com/office/drawing/2014/main" id="{B086EE87-AB7C-0A50-09E0-7E89462A6BCD}"/>
+              </a:ext>
+            </a:extLst>
+          </p:cNvPr>
+          <p:cNvSpPr>
+            <a:spLocks noGrp="1"/>
+          </p:cNvSpPr>
+          <p:nvPr>
+            <p:ph type="title"/>
+          </p:nvPr>
+        </p:nvSpPr>
+        <p:spPr/>
+        <p:txBody>
+          <a:bodyPr>
+            <a:normAutofit/>
+          </a:bodyPr>
+          <a:lstStyle/>
+          <a:p>
+            <a:r>
+              <a:rPr lang="en-US" sz="4300" b="1" dirty="0"/>
+              <a:t>3. </a:t>
+            </a:r>
+            <a:r>
+              <a:rPr lang="en-US" sz="4300" b="1" dirty="0" err="1"/>
+              <a:t>DriverManagerDataSource</a:t>
+            </a:r>
+            <a:r>
+              <a:rPr lang="en-US" sz="4300" b="1" dirty="0"/>
+              <a:t> (Spring JDBC)</a:t>
+            </a:r>
+            <a:endParaRPr lang="en-US" sz="4300" dirty="0"/>
+          </a:p>
+        </p:txBody>
+      </p:sp>
+      <p:sp>
+        <p:nvSpPr>
+          <p:cNvPr id="3" name="Content Placeholder 2">
+            <a:extLst>
+              <a:ext uri="{FF2B5EF4-FFF2-40B4-BE49-F238E27FC236}">
+                <a16:creationId xmlns:a16="http://schemas.microsoft.com/office/drawing/2014/main" id="{71B3BF3E-5092-67DD-3097-808A8F5CBA65}"/>
+              </a:ext>
+            </a:extLst>
+          </p:cNvPr>
+          <p:cNvSpPr>
+            <a:spLocks noGrp="1"/>
+          </p:cNvSpPr>
+          <p:nvPr>
+            <p:ph idx="1"/>
+          </p:nvPr>
+        </p:nvSpPr>
+        <p:spPr>
+          <a:xfrm>
+            <a:off x="956930" y="1690688"/>
+            <a:ext cx="10396870" cy="4486275"/>
+          </a:xfrm>
+        </p:spPr>
+        <p:txBody>
+          <a:bodyPr>
+            <a:noAutofit/>
+          </a:bodyPr>
+          <a:lstStyle/>
+          <a:p>
+            <a:pPr lvl="0"/>
+            <a:r>
+              <a:rPr lang="en-US" sz="2200" b="1" dirty="0"/>
+              <a:t>Library</a:t>
+            </a:r>
+            <a:r>
+              <a:rPr lang="en-US" sz="2200" dirty="0"/>
+              <a:t>: Spring Framework</a:t>
+            </a:r>
+          </a:p>
+          <a:p>
+            <a:pPr lvl="0"/>
+            <a:r>
+              <a:rPr lang="en-US" sz="2200" b="1" dirty="0"/>
+              <a:t>Known for</a:t>
+            </a:r>
+            <a:r>
+              <a:rPr lang="en-US" sz="2200" dirty="0"/>
+              <a:t>: Simplicity, but </a:t>
+            </a:r>
+            <a:r>
+              <a:rPr lang="en-US" sz="2200" b="1" dirty="0"/>
+              <a:t>no pooling</a:t>
+            </a:r>
+            <a:endParaRPr lang="en-US" sz="2200" dirty="0"/>
+          </a:p>
+          <a:p>
+            <a:pPr lvl="0"/>
+            <a:r>
+              <a:rPr lang="en-US" sz="2200" b="1" dirty="0"/>
+              <a:t>Use Case</a:t>
+            </a:r>
+            <a:r>
+              <a:rPr lang="en-US" sz="2200" dirty="0"/>
+              <a:t>: Testing, small apps, or when pooling is handled externally</a:t>
+            </a:r>
+          </a:p>
+          <a:p>
+            <a:pPr lvl="0"/>
+            <a:r>
+              <a:rPr lang="en-US" sz="2200" b="1" dirty="0"/>
+              <a:t>Features</a:t>
+            </a:r>
+            <a:r>
+              <a:rPr lang="en-US" sz="2200" dirty="0"/>
+              <a:t>:</a:t>
+            </a:r>
+          </a:p>
+          <a:p>
+            <a:pPr lvl="1"/>
+            <a:r>
+              <a:rPr lang="en-US" sz="2200" dirty="0"/>
+              <a:t>Creates a new connection every time</a:t>
+            </a:r>
+          </a:p>
+          <a:p>
+            <a:pPr lvl="1"/>
+            <a:r>
+              <a:rPr lang="en-US" sz="2200" dirty="0"/>
+              <a:t>Not suitable for production use</a:t>
+            </a:r>
+          </a:p>
+          <a:p>
+            <a:pPr lvl="1"/>
+            <a:r>
+              <a:rPr lang="en-US" sz="2200" dirty="0"/>
+              <a:t>Great for unit tests or quick prototypes</a:t>
+            </a:r>
+          </a:p>
+          <a:p>
+            <a:pPr lvl="0"/>
+            <a:r>
+              <a:rPr lang="en-US" sz="2200" b="1" dirty="0"/>
+              <a:t>Example</a:t>
+            </a:r>
+            <a:r>
+              <a:rPr lang="en-US" sz="2200" dirty="0"/>
+              <a:t>:</a:t>
+            </a:r>
+          </a:p>
+          <a:p>
+            <a:pPr marL="457200" lvl="1" indent="0">
+              <a:buNone/>
+            </a:pPr>
+            <a:r>
+              <a:rPr lang="en-US" sz="2200" dirty="0" err="1"/>
+              <a:t>DriverManagerDataSource</a:t>
+            </a:r>
+            <a:r>
+              <a:rPr lang="en-US" sz="2200" dirty="0"/>
+              <a:t> ds = new </a:t>
+            </a:r>
+            <a:r>
+              <a:rPr lang="en-US" sz="2200" dirty="0" err="1"/>
+              <a:t>DriverManagerDataSource</a:t>
+            </a:r>
+            <a:r>
+              <a:rPr lang="en-US" sz="2200" dirty="0"/>
+              <a:t>();</a:t>
+            </a:r>
+          </a:p>
+          <a:p>
+            <a:pPr marL="457200" lvl="1" indent="0">
+              <a:buNone/>
+            </a:pPr>
+            <a:r>
+              <a:rPr lang="en-US" sz="2200" dirty="0" err="1"/>
+              <a:t>ds.setUrl</a:t>
+            </a:r>
+            <a:r>
+              <a:rPr lang="en-US" sz="2200" dirty="0"/>
+              <a:t>("</a:t>
+            </a:r>
+            <a:r>
+              <a:rPr lang="en-US" sz="2200" dirty="0" err="1"/>
+              <a:t>jdbc:mysql</a:t>
+            </a:r>
+            <a:r>
+              <a:rPr lang="en-US" sz="2200" dirty="0"/>
+              <a:t>://localhost:3306/</a:t>
+            </a:r>
+            <a:r>
+              <a:rPr lang="en-US" sz="2200" dirty="0" err="1"/>
+              <a:t>mydb</a:t>
+            </a:r>
+            <a:r>
+              <a:rPr lang="en-US" sz="2200" dirty="0"/>
+              <a:t>");</a:t>
+            </a:r>
+          </a:p>
+          <a:p>
+            <a:pPr marL="457200" lvl="1" indent="0">
+              <a:buNone/>
+            </a:pPr>
+            <a:r>
+              <a:rPr lang="en-US" sz="2200" dirty="0" err="1"/>
+              <a:t>ds.setUsername</a:t>
+            </a:r>
+            <a:r>
+              <a:rPr lang="en-US" sz="2200" dirty="0"/>
+              <a:t>("user");</a:t>
+            </a:r>
+          </a:p>
+          <a:p>
+            <a:pPr marL="457200" lvl="1" indent="0">
+              <a:buNone/>
+            </a:pPr>
+            <a:r>
+              <a:rPr lang="en-US" sz="2200" dirty="0" err="1"/>
+              <a:t>ds.setPassword</a:t>
+            </a:r>
+            <a:r>
+              <a:rPr lang="en-US" sz="2200" dirty="0"/>
+              <a:t>("pass");</a:t>
+            </a:r>
+          </a:p>
+          <a:p>
+            <a:endParaRPr lang="en-US" sz="2200" dirty="0"/>
+          </a:p>
+        </p:txBody>
+      </p:sp>
+    </p:spTree>
+    <p:extLst>
+      <p:ext uri="{BB962C8B-B14F-4D97-AF65-F5344CB8AC3E}">
+        <p14:creationId xmlns:p14="http://schemas.microsoft.com/office/powerpoint/2010/main" val="1659082571"/>
+      </p:ext>
+    </p:extLst>
+  </p:cSld>
+  <p:clrMapOvr>
+    <a:masterClrMapping/>
+  </p:clrMapOvr>
+</p:sld>
+</file>
+
+<file path=ppt/slides/slide13.xml><?xml version="1.0" encoding="utf-8"?>
+<p:sld xmlns:a="http://schemas.openxmlformats.org/drawingml/2006/main" xmlns:r="http://schemas.openxmlformats.org/officeDocument/2006/relationships" xmlns:p="http://schemas.openxmlformats.org/presentationml/2006/main">
+  <p:cSld>
+    <p:spTree>
+      <p:nvGrpSpPr>
+        <p:cNvPr id="1" name=""/>
+        <p:cNvGrpSpPr/>
+        <p:nvPr/>
+      </p:nvGrpSpPr>
+      <p:grpSpPr>
+        <a:xfrm>
+          <a:off x="0" y="0"/>
+          <a:ext cx="0" cy="0"/>
+          <a:chOff x="0" y="0"/>
+          <a:chExt cx="0" cy="0"/>
+        </a:xfrm>
+      </p:grpSpPr>
+      <p:sp>
+        <p:nvSpPr>
+          <p:cNvPr id="2" name="Title 1">
+            <a:extLst>
+              <a:ext uri="{FF2B5EF4-FFF2-40B4-BE49-F238E27FC236}">
                 <a16:creationId xmlns:a16="http://schemas.microsoft.com/office/drawing/2014/main" id="{AECB6EE4-EA2B-332F-3FFB-0CD998C47620}"/>
               </a:ext>
             </a:extLst>
@@ -4610,6 +4876,86 @@
     <p:extLst>
       <p:ext uri="{BB962C8B-B14F-4D97-AF65-F5344CB8AC3E}">
         <p14:creationId xmlns:p14="http://schemas.microsoft.com/office/powerpoint/2010/main" val="2019553241"/>
+      </p:ext>
+    </p:extLst>
+  </p:cSld>
+  <p:clrMapOvr>
+    <a:masterClrMapping/>
+  </p:clrMapOvr>
+</p:sld>
+</file>
+
+<file path=ppt/slides/slide14.xml><?xml version="1.0" encoding="utf-8"?>
+<p:sld xmlns:a="http://schemas.openxmlformats.org/drawingml/2006/main" xmlns:r="http://schemas.openxmlformats.org/officeDocument/2006/relationships" xmlns:p="http://schemas.openxmlformats.org/presentationml/2006/main">
+  <p:cSld>
+    <p:spTree>
+      <p:nvGrpSpPr>
+        <p:cNvPr id="1" name=""/>
+        <p:cNvGrpSpPr/>
+        <p:nvPr/>
+      </p:nvGrpSpPr>
+      <p:grpSpPr>
+        <a:xfrm>
+          <a:off x="0" y="0"/>
+          <a:ext cx="0" cy="0"/>
+          <a:chOff x="0" y="0"/>
+          <a:chExt cx="0" cy="0"/>
+        </a:xfrm>
+      </p:grpSpPr>
+      <p:sp>
+        <p:nvSpPr>
+          <p:cNvPr id="2" name="Title 1">
+            <a:extLst>
+              <a:ext uri="{FF2B5EF4-FFF2-40B4-BE49-F238E27FC236}">
+                <a16:creationId xmlns:a16="http://schemas.microsoft.com/office/drawing/2014/main" id="{D1377DF1-769C-A64F-8B06-BE7FD04D33F2}"/>
+              </a:ext>
+            </a:extLst>
+          </p:cNvPr>
+          <p:cNvSpPr>
+            <a:spLocks noGrp="1"/>
+          </p:cNvSpPr>
+          <p:nvPr>
+            <p:ph type="title"/>
+          </p:nvPr>
+        </p:nvSpPr>
+        <p:spPr/>
+        <p:txBody>
+          <a:bodyPr/>
+          <a:lstStyle/>
+          <a:p>
+            <a:endParaRPr lang="en-US"/>
+          </a:p>
+        </p:txBody>
+      </p:sp>
+      <p:sp>
+        <p:nvSpPr>
+          <p:cNvPr id="3" name="Content Placeholder 2">
+            <a:extLst>
+              <a:ext uri="{FF2B5EF4-FFF2-40B4-BE49-F238E27FC236}">
+                <a16:creationId xmlns:a16="http://schemas.microsoft.com/office/drawing/2014/main" id="{149B376D-DF21-17E1-ACBA-D95EEE5AC4F3}"/>
+              </a:ext>
+            </a:extLst>
+          </p:cNvPr>
+          <p:cNvSpPr>
+            <a:spLocks noGrp="1"/>
+          </p:cNvSpPr>
+          <p:nvPr>
+            <p:ph idx="1"/>
+          </p:nvPr>
+        </p:nvSpPr>
+        <p:spPr/>
+        <p:txBody>
+          <a:bodyPr/>
+          <a:lstStyle/>
+          <a:p>
+            <a:endParaRPr lang="en-US"/>
+          </a:p>
+        </p:txBody>
+      </p:sp>
+    </p:spTree>
+    <p:extLst>
+      <p:ext uri="{BB962C8B-B14F-4D97-AF65-F5344CB8AC3E}">
+        <p14:creationId xmlns:p14="http://schemas.microsoft.com/office/powerpoint/2010/main" val="1511672894"/>
       </p:ext>
     </p:extLst>
   </p:cSld>
@@ -6603,6 +6949,21 @@
             </a:r>
           </a:p>
           <a:p>
+            <a:r>
+              <a:rPr lang="en-US" sz="2200" b="1" dirty="0"/>
+              <a:t>Class</a:t>
+            </a:r>
+            <a:r>
+              <a:rPr lang="en-US" sz="2200" dirty="0"/>
+              <a:t>: </a:t>
+            </a:r>
+            <a:r>
+              <a:rPr lang="en-US" sz="2200" dirty="0" err="1"/>
+              <a:t>com.zaxxer.hikari.HikariDataSource</a:t>
+            </a:r>
+            <a:endParaRPr lang="en-US" sz="2200" dirty="0"/>
+          </a:p>
+          <a:p>
             <a:pPr lvl="0"/>
             <a:r>
               <a:rPr lang="en-US" sz="2200" dirty="0"/>
@@ -6647,112 +7008,10 @@
             </a:r>
           </a:p>
           <a:p>
-            <a:pPr lvl="0"/>
-            <a:r>
-              <a:rPr lang="en-US" sz="2200" b="1" dirty="0"/>
-              <a:t>Example</a:t>
-            </a:r>
-            <a:r>
-              <a:rPr lang="en-US" sz="2200" dirty="0"/>
-              <a:t>:</a:t>
-            </a:r>
-          </a:p>
-          <a:p>
             <a:pPr marL="457200" lvl="1" indent="0">
               <a:buNone/>
             </a:pPr>
-            <a:r>
-              <a:rPr lang="en-US" sz="1800" dirty="0" err="1"/>
-              <a:t>HikariConfig</a:t>
-            </a:r>
-            <a:r>
-              <a:rPr lang="en-US" sz="1800" dirty="0"/>
-              <a:t> config = new </a:t>
-            </a:r>
-            <a:r>
-              <a:rPr lang="en-US" sz="1800" dirty="0" err="1"/>
-              <a:t>HikariConfig</a:t>
-            </a:r>
-            <a:r>
-              <a:rPr lang="en-US" sz="1800" dirty="0"/>
-              <a:t>();</a:t>
-            </a:r>
-          </a:p>
-          <a:p>
-            <a:pPr marL="457200" lvl="1" indent="0">
-              <a:buNone/>
-            </a:pPr>
-            <a:r>
-              <a:rPr lang="en-US" sz="1800" dirty="0" err="1"/>
-              <a:t>config.setJdbcUrl</a:t>
-            </a:r>
-            <a:r>
-              <a:rPr lang="en-US" sz="1800" dirty="0"/>
-              <a:t>("</a:t>
-            </a:r>
-            <a:r>
-              <a:rPr lang="en-US" sz="1800" dirty="0" err="1"/>
-              <a:t>jdbc:mysql</a:t>
-            </a:r>
-            <a:r>
-              <a:rPr lang="en-US" sz="1800" dirty="0"/>
-              <a:t>://localhost:3306/</a:t>
-            </a:r>
-            <a:r>
-              <a:rPr lang="en-US" sz="1800" dirty="0" err="1"/>
-              <a:t>mydb</a:t>
-            </a:r>
-            <a:r>
-              <a:rPr lang="en-US" sz="1800" dirty="0"/>
-              <a:t>");</a:t>
-            </a:r>
-          </a:p>
-          <a:p>
-            <a:pPr marL="457200" lvl="1" indent="0">
-              <a:buNone/>
-            </a:pPr>
-            <a:r>
-              <a:rPr lang="en-US" sz="1800" dirty="0" err="1"/>
-              <a:t>config.setUsername</a:t>
-            </a:r>
-            <a:r>
-              <a:rPr lang="en-US" sz="1800" dirty="0"/>
-              <a:t>("user");</a:t>
-            </a:r>
-          </a:p>
-          <a:p>
-            <a:pPr marL="457200" lvl="1" indent="0">
-              <a:buNone/>
-            </a:pPr>
-            <a:r>
-              <a:rPr lang="en-US" sz="1800" dirty="0" err="1"/>
-              <a:t>config.setPassword</a:t>
-            </a:r>
-            <a:r>
-              <a:rPr lang="en-US" sz="1800" dirty="0"/>
-              <a:t>("pass");</a:t>
-            </a:r>
-          </a:p>
-          <a:p>
-            <a:pPr marL="457200" lvl="1" indent="0">
-              <a:buNone/>
-            </a:pPr>
-            <a:r>
-              <a:rPr lang="en-US" sz="1800" dirty="0" err="1"/>
-              <a:t>DataSource</a:t>
-            </a:r>
-            <a:r>
-              <a:rPr lang="en-US" sz="1800" dirty="0"/>
-              <a:t> ds = new </a:t>
-            </a:r>
-            <a:r>
-              <a:rPr lang="en-US" sz="1800" dirty="0" err="1"/>
-              <a:t>HikariDataSource</a:t>
-            </a:r>
-            <a:r>
-              <a:rPr lang="en-US" sz="1800" dirty="0"/>
-              <a:t>(config);</a:t>
-            </a:r>
+            <a:endParaRPr lang="en-US" sz="1800" dirty="0"/>
           </a:p>
           <a:p>
             <a:endParaRPr lang="en-US" sz="2200" dirty="0"/>
